--- a/CP/OS_CP_PPT.pptx
+++ b/CP/OS_CP_PPT.pptx
@@ -6393,18 +6393,17 @@
           <p:cNvPicPr preferRelativeResize="0"/>
           <p:nvPr/>
         </p:nvPicPr>
-        <p:blipFill>
+        <p:blipFill rotWithShape="1">
           <a:blip r:embed="rId3">
             <a:alphaModFix/>
           </a:blip>
-          <a:stretch>
-            <a:fillRect/>
-          </a:stretch>
+          <a:srcRect b="12457" l="0" r="0" t="0"/>
+          <a:stretch/>
         </p:blipFill>
         <p:spPr>
           <a:xfrm>
-            <a:off x="205300" y="1074875"/>
-            <a:ext cx="8839200" cy="3673326"/>
+            <a:off x="152400" y="1233625"/>
+            <a:ext cx="8839200" cy="3215600"/>
           </a:xfrm>
           <a:prstGeom prst="rect">
             <a:avLst/>
@@ -6450,7 +6449,7 @@
         </p:nvSpPr>
         <p:spPr>
           <a:xfrm>
-            <a:off x="311700" y="445025"/>
+            <a:off x="311700" y="180450"/>
             <a:ext cx="8520600" cy="572700"/>
           </a:xfrm>
           <a:prstGeom prst="rect">
@@ -6499,8 +6498,8 @@
         </p:nvSpPr>
         <p:spPr>
           <a:xfrm>
-            <a:off x="311700" y="1152475"/>
-            <a:ext cx="3733200" cy="3416400"/>
+            <a:off x="311700" y="863550"/>
+            <a:ext cx="3955500" cy="3818400"/>
           </a:xfrm>
           <a:prstGeom prst="rect">
             <a:avLst/>
@@ -6527,21 +6526,21 @@
               <a:buNone/>
             </a:pPr>
             <a:r>
-              <a:rPr b="1" lang="en">
+              <a:rPr b="1" lang="en" sz="1650">
                 <a:solidFill>
                   <a:schemeClr val="dk1"/>
                 </a:solidFill>
               </a:rPr>
               <a:t>Description of Each Component</a:t>
             </a:r>
-            <a:endParaRPr b="1">
+            <a:endParaRPr b="1" sz="1650">
               <a:solidFill>
                 <a:schemeClr val="dk1"/>
               </a:solidFill>
             </a:endParaRPr>
           </a:p>
           <a:p>
-            <a:pPr indent="-342900" lvl="0" marL="457200" rtl="0" algn="l">
+            <a:pPr indent="-327025" lvl="0" marL="457200" rtl="0" algn="l">
               <a:spcBef>
                 <a:spcPts val="1200"/>
               </a:spcBef>
@@ -6551,11 +6550,11 @@
               <a:buClr>
                 <a:schemeClr val="dk1"/>
               </a:buClr>
-              <a:buSzPts val="1800"/>
+              <a:buSzPts val="1550"/>
               <a:buChar char="●"/>
             </a:pPr>
             <a:r>
-              <a:rPr b="1" lang="en">
+              <a:rPr b="1" lang="en" sz="1550">
                 <a:solidFill>
                   <a:schemeClr val="dk1"/>
                 </a:solidFill>
@@ -6563,21 +6562,21 @@
               <a:t>Input File:</a:t>
             </a:r>
             <a:r>
-              <a:rPr lang="en">
+              <a:rPr lang="en" sz="1550">
                 <a:solidFill>
                   <a:schemeClr val="dk1"/>
                 </a:solidFill>
               </a:rPr>
               <a:t> Source of instructions</a:t>
             </a:r>
-            <a:endParaRPr>
+            <a:endParaRPr sz="1550">
               <a:solidFill>
                 <a:schemeClr val="dk1"/>
               </a:solidFill>
             </a:endParaRPr>
           </a:p>
           <a:p>
-            <a:pPr indent="-342900" lvl="0" marL="457200" rtl="0" algn="l">
+            <a:pPr indent="-327025" lvl="0" marL="457200" rtl="0" algn="l">
               <a:spcBef>
                 <a:spcPts val="0"/>
               </a:spcBef>
@@ -6587,11 +6586,11 @@
               <a:buClr>
                 <a:schemeClr val="dk1"/>
               </a:buClr>
-              <a:buSzPts val="1800"/>
+              <a:buSzPts val="1550"/>
               <a:buChar char="●"/>
             </a:pPr>
             <a:r>
-              <a:rPr b="1" lang="en">
+              <a:rPr b="1" lang="en" sz="1550">
                 <a:solidFill>
                   <a:schemeClr val="dk1"/>
                 </a:solidFill>
@@ -6599,21 +6598,21 @@
               <a:t>Memory:</a:t>
             </a:r>
             <a:r>
-              <a:rPr lang="en">
+              <a:rPr lang="en" sz="1550">
                 <a:solidFill>
                   <a:schemeClr val="dk1"/>
                 </a:solidFill>
               </a:rPr>
               <a:t> Storage for instructions and data</a:t>
             </a:r>
-            <a:endParaRPr>
+            <a:endParaRPr sz="1550">
               <a:solidFill>
                 <a:schemeClr val="dk1"/>
               </a:solidFill>
             </a:endParaRPr>
           </a:p>
           <a:p>
-            <a:pPr indent="-342900" lvl="0" marL="457200" rtl="0" algn="l">
+            <a:pPr indent="-327025" lvl="0" marL="457200" rtl="0" algn="l">
               <a:spcBef>
                 <a:spcPts val="0"/>
               </a:spcBef>
@@ -6623,33 +6622,33 @@
               <a:buClr>
                 <a:schemeClr val="dk1"/>
               </a:buClr>
-              <a:buSzPts val="1800"/>
+              <a:buSzPts val="1550"/>
               <a:buChar char="●"/>
             </a:pPr>
             <a:r>
-              <a:rPr b="1" lang="en">
+              <a:rPr b="1" lang="en" sz="1550">
                 <a:solidFill>
                   <a:schemeClr val="dk1"/>
                 </a:solidFill>
               </a:rPr>
-              <a:t>Instruction Register (IR)</a:t>
+              <a:t>Register (R):</a:t>
             </a:r>
             <a:r>
-              <a:rPr lang="en">
+              <a:rPr lang="en" sz="1550">
                 <a:solidFill>
                   <a:schemeClr val="dk1"/>
                 </a:solidFill>
               </a:rPr>
-              <a:t>: Holds current instruction</a:t>
+              <a:t> Temporary storage for data being processed.</a:t>
             </a:r>
-            <a:endParaRPr>
+            <a:endParaRPr sz="1550">
               <a:solidFill>
                 <a:schemeClr val="dk1"/>
               </a:solidFill>
             </a:endParaRPr>
           </a:p>
           <a:p>
-            <a:pPr indent="-342900" lvl="0" marL="457200" rtl="0" algn="l">
+            <a:pPr indent="-327025" lvl="0" marL="457200" rtl="0" algn="l">
               <a:spcBef>
                 <a:spcPts val="0"/>
               </a:spcBef>
@@ -6659,11 +6658,119 @@
               <a:buClr>
                 <a:schemeClr val="dk1"/>
               </a:buClr>
-              <a:buSzPts val="1800"/>
+              <a:buSzPts val="1550"/>
               <a:buChar char="●"/>
             </a:pPr>
             <a:r>
-              <a:rPr b="1" lang="en">
+              <a:rPr b="1" lang="en" sz="1550">
+                <a:solidFill>
+                  <a:schemeClr val="dk1"/>
+                </a:solidFill>
+              </a:rPr>
+              <a:t>Instruction Register (IR)</a:t>
+            </a:r>
+            <a:r>
+              <a:rPr lang="en" sz="1550">
+                <a:solidFill>
+                  <a:schemeClr val="dk1"/>
+                </a:solidFill>
+              </a:rPr>
+              <a:t>: Holds current instruction</a:t>
+            </a:r>
+            <a:endParaRPr sz="1550">
+              <a:solidFill>
+                <a:schemeClr val="dk1"/>
+              </a:solidFill>
+            </a:endParaRPr>
+          </a:p>
+          <a:p>
+            <a:pPr indent="-327025" lvl="0" marL="457200" rtl="0" algn="l">
+              <a:spcBef>
+                <a:spcPts val="0"/>
+              </a:spcBef>
+              <a:spcAft>
+                <a:spcPts val="0"/>
+              </a:spcAft>
+              <a:buClr>
+                <a:schemeClr val="dk1"/>
+              </a:buClr>
+              <a:buSzPts val="1550"/>
+              <a:buChar char="●"/>
+            </a:pPr>
+            <a:r>
+              <a:rPr b="1" lang="en" sz="1550">
+                <a:solidFill>
+                  <a:schemeClr val="dk1"/>
+                </a:solidFill>
+              </a:rPr>
+              <a:t>Instruction Counter (IC):</a:t>
+            </a:r>
+            <a:r>
+              <a:rPr lang="en" sz="1550">
+                <a:solidFill>
+                  <a:schemeClr val="dk1"/>
+                </a:solidFill>
+              </a:rPr>
+              <a:t> Tracks address of next instruction execution</a:t>
+            </a:r>
+            <a:endParaRPr sz="1550">
+              <a:solidFill>
+                <a:schemeClr val="dk1"/>
+              </a:solidFill>
+            </a:endParaRPr>
+          </a:p>
+          <a:p>
+            <a:pPr indent="-327025" lvl="0" marL="457200" rtl="0" algn="l">
+              <a:spcBef>
+                <a:spcPts val="0"/>
+              </a:spcBef>
+              <a:spcAft>
+                <a:spcPts val="0"/>
+              </a:spcAft>
+              <a:buClr>
+                <a:schemeClr val="dk1"/>
+              </a:buClr>
+              <a:buSzPts val="1550"/>
+              <a:buChar char="●"/>
+            </a:pPr>
+            <a:r>
+              <a:rPr b="1" lang="en" sz="1550">
+                <a:solidFill>
+                  <a:schemeClr val="dk1"/>
+                </a:solidFill>
+              </a:rPr>
+              <a:t>Toggle (C):</a:t>
+            </a:r>
+            <a:r>
+              <a:rPr lang="en" sz="1550">
+                <a:solidFill>
+                  <a:schemeClr val="dk1"/>
+                </a:solidFill>
+              </a:rPr>
+              <a:t> Indicates the result of comparisons, influencing control flow.</a:t>
+            </a:r>
+            <a:endParaRPr sz="1550">
+              <a:solidFill>
+                <a:schemeClr val="dk1"/>
+              </a:solidFill>
+            </a:endParaRPr>
+          </a:p>
+          <a:p>
+            <a:pPr indent="-327025" lvl="0" marL="457200" rtl="0" algn="l">
+              <a:spcBef>
+                <a:spcPts val="0"/>
+              </a:spcBef>
+              <a:spcAft>
+                <a:spcPts val="0"/>
+              </a:spcAft>
+              <a:buClr>
+                <a:schemeClr val="dk1"/>
+              </a:buClr>
+              <a:buSzPts val="1550"/>
+              <a:buChar char="●"/>
+            </a:pPr>
+            <a:r>
+              <a:rPr b="1" lang="en" sz="1550">
                 <a:solidFill>
                   <a:schemeClr val="dk1"/>
                 </a:solidFill>
@@ -6671,14 +6778,14 @@
               <a:t>Control Logic:</a:t>
             </a:r>
             <a:r>
-              <a:rPr lang="en">
+              <a:rPr lang="en" sz="1550">
                 <a:solidFill>
                   <a:schemeClr val="dk1"/>
                 </a:solidFill>
               </a:rPr>
               <a:t> Executes instructions</a:t>
             </a:r>
-            <a:endParaRPr sz="2500"/>
+            <a:endParaRPr sz="1550"/>
           </a:p>
         </p:txBody>
       </p:sp>
@@ -6697,8 +6804,8 @@
         </p:blipFill>
         <p:spPr>
           <a:xfrm>
-            <a:off x="4376175" y="1152475"/>
-            <a:ext cx="4456125" cy="3520025"/>
+            <a:off x="4376175" y="1048850"/>
+            <a:ext cx="4456125" cy="3739050"/>
           </a:xfrm>
           <a:prstGeom prst="rect">
             <a:avLst/>
@@ -6744,7 +6851,7 @@
         </p:nvSpPr>
         <p:spPr>
           <a:xfrm>
-            <a:off x="311700" y="445025"/>
+            <a:off x="311700" y="275700"/>
             <a:ext cx="8520600" cy="572700"/>
           </a:xfrm>
           <a:prstGeom prst="rect">
@@ -6773,7 +6880,7 @@
                   <a:srgbClr val="CC0000"/>
                 </a:solidFill>
               </a:rPr>
-              <a:t>INSTRUCTION EXECUTION</a:t>
+              <a:t>INSTRUCTION SET &amp; EXECUTION</a:t>
             </a:r>
             <a:endParaRPr b="1" sz="2920">
               <a:solidFill>
@@ -6793,8 +6900,8 @@
         </p:nvSpPr>
         <p:spPr>
           <a:xfrm>
-            <a:off x="311700" y="1152475"/>
-            <a:ext cx="2367900" cy="3416400"/>
+            <a:off x="311700" y="1020225"/>
+            <a:ext cx="2367900" cy="3654600"/>
           </a:xfrm>
           <a:prstGeom prst="rect">
             <a:avLst/>
@@ -6905,13 +7012,13 @@
           <a:blip r:embed="rId3">
             <a:alphaModFix/>
           </a:blip>
-          <a:srcRect b="0" l="3683" r="1123" t="0"/>
+          <a:srcRect b="3833" l="5305" r="1122" t="13200"/>
           <a:stretch/>
         </p:blipFill>
         <p:spPr>
           <a:xfrm>
-            <a:off x="2870200" y="1128575"/>
-            <a:ext cx="6201824" cy="3464200"/>
+            <a:off x="2679600" y="1077975"/>
+            <a:ext cx="6275999" cy="3369750"/>
           </a:xfrm>
           <a:prstGeom prst="rect">
             <a:avLst/>
@@ -7157,7 +7264,19 @@
                   <a:schemeClr val="dk1"/>
                 </a:solidFill>
               </a:rPr>
-              <a:t>: Get data from block 10.</a:t>
+              <a:t>: Get data from block 10. </a:t>
+            </a:r>
+            <a:r>
+              <a:rPr lang="en">
+                <a:solidFill>
+                  <a:srgbClr val="188038"/>
+                </a:solidFill>
+                <a:latin typeface="Roboto Mono"/>
+                <a:ea typeface="Roboto Mono"/>
+                <a:cs typeface="Roboto Mono"/>
+                <a:sym typeface="Roboto Mono"/>
+              </a:rPr>
+              <a:t>(READ)</a:t>
             </a:r>
             <a:endParaRPr>
               <a:solidFill>
@@ -7200,7 +7319,19 @@
                   <a:schemeClr val="dk1"/>
                 </a:solidFill>
               </a:rPr>
-              <a:t>: Put data to block 10.</a:t>
+              <a:t>: Put data to block 10. </a:t>
+            </a:r>
+            <a:r>
+              <a:rPr lang="en">
+                <a:solidFill>
+                  <a:srgbClr val="188038"/>
+                </a:solidFill>
+                <a:latin typeface="Roboto Mono"/>
+                <a:ea typeface="Roboto Mono"/>
+                <a:cs typeface="Roboto Mono"/>
+                <a:sym typeface="Roboto Mono"/>
+              </a:rPr>
+              <a:t>(WRITE)</a:t>
             </a:r>
             <a:endParaRPr>
               <a:solidFill>
@@ -7243,7 +7374,19 @@
                   <a:schemeClr val="dk1"/>
                 </a:solidFill>
               </a:rPr>
-              <a:t>: Halt execution.</a:t>
+              <a:t>: Halt execution. </a:t>
+            </a:r>
+            <a:r>
+              <a:rPr lang="en">
+                <a:solidFill>
+                  <a:srgbClr val="188038"/>
+                </a:solidFill>
+                <a:latin typeface="Roboto Mono"/>
+                <a:ea typeface="Roboto Mono"/>
+                <a:cs typeface="Roboto Mono"/>
+                <a:sym typeface="Roboto Mono"/>
+              </a:rPr>
+              <a:t>(TERMINATE)</a:t>
             </a:r>
             <a:endParaRPr>
               <a:solidFill>
@@ -7443,7 +7586,7 @@
         </p:blipFill>
         <p:spPr>
           <a:xfrm>
-            <a:off x="164925" y="679050"/>
+            <a:off x="164938" y="573200"/>
             <a:ext cx="3897025" cy="1892700"/>
           </a:xfrm>
           <a:prstGeom prst="rect">
@@ -7470,7 +7613,7 @@
         </p:blipFill>
         <p:spPr>
           <a:xfrm>
-            <a:off x="4154750" y="814899"/>
+            <a:off x="4078600" y="814899"/>
             <a:ext cx="4989251" cy="3786725"/>
           </a:xfrm>
           <a:prstGeom prst="rect">
@@ -7490,7 +7633,7 @@
         </p:nvSpPr>
         <p:spPr>
           <a:xfrm>
-            <a:off x="148288" y="2571750"/>
+            <a:off x="148300" y="2465900"/>
             <a:ext cx="3930300" cy="2381100"/>
           </a:xfrm>
           <a:prstGeom prst="rect">
@@ -7509,7 +7652,7 @@
           <a:p>
             <a:pPr indent="0" lvl="0" marL="0" rtl="0" algn="l">
               <a:lnSpc>
-                <a:spcPct val="115000"/>
+                <a:spcPct val="100000"/>
               </a:lnSpc>
               <a:spcBef>
                 <a:spcPts val="1800"/>
@@ -7539,9 +7682,9 @@
             </a:endParaRPr>
           </a:p>
           <a:p>
-            <a:pPr indent="-304800" lvl="0" marL="457200" rtl="0" algn="l">
+            <a:pPr indent="-311150" lvl="0" marL="457200" rtl="0" algn="l">
               <a:lnSpc>
-                <a:spcPct val="115000"/>
+                <a:spcPct val="100000"/>
               </a:lnSpc>
               <a:spcBef>
                 <a:spcPts val="1200"/>
@@ -7552,11 +7695,11 @@
               <a:buClr>
                 <a:schemeClr val="dk1"/>
               </a:buClr>
-              <a:buSzPts val="1200"/>
+              <a:buSzPts val="1300"/>
               <a:buChar char="●"/>
             </a:pPr>
             <a:r>
-              <a:rPr b="1" lang="en" sz="1200">
+              <a:rPr b="1" lang="en" sz="1300">
                 <a:solidFill>
                   <a:schemeClr val="dk1"/>
                 </a:solidFill>
@@ -7564,7 +7707,7 @@
               <a:t>Load Register (</a:t>
             </a:r>
             <a:r>
-              <a:rPr b="1" lang="en" sz="1200">
+              <a:rPr b="1" lang="en" sz="1300">
                 <a:solidFill>
                   <a:srgbClr val="188038"/>
                 </a:solidFill>
@@ -7576,7 +7719,7 @@
               <a:t>LR20</a:t>
             </a:r>
             <a:r>
-              <a:rPr b="1" lang="en" sz="1200">
+              <a:rPr b="1" lang="en" sz="1300">
                 <a:solidFill>
                   <a:schemeClr val="dk1"/>
                 </a:solidFill>
@@ -7584,21 +7727,21 @@
               <a:t>):</a:t>
             </a:r>
             <a:r>
-              <a:rPr lang="en" sz="1200">
+              <a:rPr lang="en" sz="1300">
                 <a:solidFill>
                   <a:schemeClr val="dk1"/>
                 </a:solidFill>
               </a:rPr>
               <a:t> Loads data from memory block 20 into a register for manipulation.</a:t>
             </a:r>
-            <a:endParaRPr sz="1200">
+            <a:endParaRPr sz="1300">
               <a:solidFill>
                 <a:schemeClr val="dk1"/>
               </a:solidFill>
             </a:endParaRPr>
           </a:p>
           <a:p>
-            <a:pPr indent="-304800" lvl="0" marL="457200" rtl="0" algn="l">
+            <a:pPr indent="-311150" lvl="0" marL="457200" rtl="0" algn="l">
               <a:lnSpc>
                 <a:spcPct val="115000"/>
               </a:lnSpc>
@@ -7611,11 +7754,11 @@
               <a:buClr>
                 <a:schemeClr val="dk1"/>
               </a:buClr>
-              <a:buSzPts val="1200"/>
+              <a:buSzPts val="1300"/>
               <a:buChar char="●"/>
             </a:pPr>
             <a:r>
-              <a:rPr b="1" lang="en" sz="1200">
+              <a:rPr b="1" lang="en" sz="1300">
                 <a:solidFill>
                   <a:schemeClr val="dk1"/>
                 </a:solidFill>
@@ -7623,7 +7766,7 @@
               <a:t>Compare Register (</a:t>
             </a:r>
             <a:r>
-              <a:rPr b="1" lang="en" sz="1200">
+              <a:rPr b="1" lang="en" sz="1300">
                 <a:solidFill>
                   <a:srgbClr val="188038"/>
                 </a:solidFill>
@@ -7635,7 +7778,7 @@
               <a:t>CR30</a:t>
             </a:r>
             <a:r>
-              <a:rPr b="1" lang="en" sz="1200">
+              <a:rPr b="1" lang="en" sz="1300">
                 <a:solidFill>
                   <a:schemeClr val="dk1"/>
                 </a:solidFill>
@@ -7643,21 +7786,21 @@
               <a:t>):</a:t>
             </a:r>
             <a:r>
-              <a:rPr lang="en" sz="1200">
+              <a:rPr lang="en" sz="1300">
                 <a:solidFill>
                   <a:schemeClr val="dk1"/>
                 </a:solidFill>
               </a:rPr>
               <a:t> Compares the loaded register's value with data in memory block 30, setting a condition flag.</a:t>
             </a:r>
-            <a:endParaRPr sz="1200">
+            <a:endParaRPr sz="1300">
               <a:solidFill>
                 <a:schemeClr val="dk1"/>
               </a:solidFill>
             </a:endParaRPr>
           </a:p>
           <a:p>
-            <a:pPr indent="-304800" lvl="0" marL="457200" rtl="0" algn="l">
+            <a:pPr indent="-311150" lvl="0" marL="457200" rtl="0" algn="l">
               <a:lnSpc>
                 <a:spcPct val="115000"/>
               </a:lnSpc>
@@ -7670,11 +7813,11 @@
               <a:buClr>
                 <a:schemeClr val="dk1"/>
               </a:buClr>
-              <a:buSzPts val="1200"/>
+              <a:buSzPts val="1300"/>
               <a:buChar char="●"/>
             </a:pPr>
             <a:r>
-              <a:rPr b="1" lang="en" sz="1200">
+              <a:rPr b="1" lang="en" sz="1300">
                 <a:solidFill>
                   <a:schemeClr val="dk1"/>
                 </a:solidFill>
@@ -7682,7 +7825,7 @@
               <a:t>Branch on True (</a:t>
             </a:r>
             <a:r>
-              <a:rPr b="1" lang="en" sz="1200">
+              <a:rPr b="1" lang="en" sz="1300">
                 <a:solidFill>
                   <a:srgbClr val="188038"/>
                 </a:solidFill>
@@ -7694,7 +7837,7 @@
               <a:t>BT09</a:t>
             </a:r>
             <a:r>
-              <a:rPr b="1" lang="en" sz="1200">
+              <a:rPr b="1" lang="en" sz="1300">
                 <a:solidFill>
                   <a:schemeClr val="dk1"/>
                 </a:solidFill>
@@ -7702,14 +7845,14 @@
               <a:t>):</a:t>
             </a:r>
             <a:r>
-              <a:rPr lang="en" sz="1200">
+              <a:rPr lang="en" sz="1300">
                 <a:solidFill>
                   <a:schemeClr val="dk1"/>
                 </a:solidFill>
               </a:rPr>
               <a:t> If the comparison is true, control transfers to instruction block 09, enabling conditional execution.</a:t>
             </a:r>
-            <a:endParaRPr sz="1900">
+            <a:endParaRPr sz="1300">
               <a:solidFill>
                 <a:schemeClr val="dk2"/>
               </a:solidFill>
